--- a/WAD/lectures/020--HTML.Fundamentals.pptx
+++ b/WAD/lectures/020--HTML.Fundamentals.pptx
@@ -402,7 +402,7 @@
         <p:nvSpPr>
           <p:cNvPr id="8196" name="Rectangle 4"/>
           <p:cNvSpPr>
-            <a:spLocks noRot="1" noChangeArrowheads="1" noTextEdit="1"/>
+            <a:spLocks noGrp="1" noRot="1" noChangeAspect="1" noChangeArrowheads="1" noTextEdit="1"/>
           </p:cNvSpPr>
           <p:nvPr>
             <p:ph type="sldImg" idx="2"/>
@@ -1269,7 +1269,7 @@
               <a:pPr>
                 <a:defRPr/>
               </a:pPr>
-              <a:t>10/28/2017</a:t>
+              <a:t>1/2/2018</a:t>
             </a:fld>
             <a:endParaRPr lang="en-US" altLang="en-US"/>
           </a:p>
@@ -1503,7 +1503,7 @@
               <a:pPr>
                 <a:defRPr/>
               </a:pPr>
-              <a:t>10/28/2017</a:t>
+              <a:t>1/2/2018</a:t>
             </a:fld>
             <a:endParaRPr lang="en-US" altLang="en-US"/>
           </a:p>
@@ -2376,7 +2376,7 @@
               <a:pPr>
                 <a:defRPr/>
               </a:pPr>
-              <a:t>10/28/2017</a:t>
+              <a:t>1/2/2018</a:t>
             </a:fld>
             <a:endParaRPr lang="en-US" altLang="en-US"/>
           </a:p>
@@ -2525,7 +2525,7 @@
               <a:pPr>
                 <a:defRPr/>
               </a:pPr>
-              <a:t>10/28/2017</a:t>
+              <a:t>1/2/2018</a:t>
             </a:fld>
             <a:endParaRPr lang="en-US" altLang="en-US"/>
           </a:p>
@@ -2856,7 +2856,7 @@
               <a:pPr>
                 <a:defRPr/>
               </a:pPr>
-              <a:t>10/28/2017</a:t>
+              <a:t>1/2/2018</a:t>
             </a:fld>
             <a:endParaRPr lang="en-US" altLang="en-US"/>
           </a:p>
@@ -3164,7 +3164,7 @@
               <a:pPr>
                 <a:defRPr/>
               </a:pPr>
-              <a:t>10/28/2017</a:t>
+              <a:t>1/2/2018</a:t>
             </a:fld>
             <a:endParaRPr lang="en-US" altLang="en-US"/>
           </a:p>
@@ -13701,20 +13701,20 @@
           <a:lstStyle/>
           <a:p>
             <a:r>
-              <a:rPr lang="en-GB" altLang="en-US" smtClean="0"/>
+              <a:rPr lang="en-GB" altLang="en-US" dirty="0" smtClean="0"/>
               <a:t>Domain Name System (DNS) translates the IP address of a host into its human-readable name (domain name). </a:t>
             </a:r>
             <a:br>
-              <a:rPr lang="en-GB" altLang="en-US" smtClean="0"/>
+              <a:rPr lang="en-GB" altLang="en-US" dirty="0" smtClean="0"/>
             </a:br>
             <a:r>
-              <a:rPr lang="en-GB" altLang="en-US" smtClean="0"/>
+              <a:rPr lang="en-GB" altLang="en-US" dirty="0" smtClean="0"/>
               <a:t/>
             </a:r>
             <a:br>
-              <a:rPr lang="en-GB" altLang="en-US" smtClean="0"/>
+              <a:rPr lang="en-GB" altLang="en-US" dirty="0" smtClean="0"/>
             </a:br>
-            <a:endParaRPr lang="en-GB" altLang="en-US" smtClean="0"/>
+            <a:endParaRPr lang="en-GB" altLang="en-US" dirty="0" smtClean="0"/>
           </a:p>
         </p:txBody>
       </p:sp>
@@ -13781,9 +13781,18 @@
           <a:lstStyle/>
           <a:p>
             <a:r>
-              <a:rPr lang="en-GB" altLang="en-US" smtClean="0"/>
-              <a:t>Answer: False</a:t>
-            </a:r>
+              <a:rPr lang="en-GB" altLang="en-US" dirty="0" smtClean="0"/>
+              <a:t>Answer</a:t>
+            </a:r>
+            <a:r>
+              <a:rPr lang="en-GB" altLang="en-US" smtClean="0"/>
+              <a:t>: </a:t>
+            </a:r>
+            <a:r>
+              <a:rPr lang="en-GB" altLang="en-US" smtClean="0"/>
+              <a:t>True</a:t>
+            </a:r>
+            <a:endParaRPr lang="en-GB" altLang="en-US" dirty="0" smtClean="0"/>
           </a:p>
         </p:txBody>
       </p:sp>

--- a/WAD/lectures/020--HTML.Fundamentals.pptx
+++ b/WAD/lectures/020--HTML.Fundamentals.pptx
@@ -5,7 +5,7 @@
     <p:sldMasterId id="2147483648" r:id="rId1"/>
   </p:sldMasterIdLst>
   <p:notesMasterIdLst>
-    <p:notesMasterId r:id="rId78"/>
+    <p:notesMasterId r:id="rId77"/>
   </p:notesMasterIdLst>
   <p:sldIdLst>
     <p:sldId id="267" r:id="rId2"/>
@@ -82,8 +82,7 @@
     <p:sldId id="357" r:id="rId73"/>
     <p:sldId id="358" r:id="rId74"/>
     <p:sldId id="359" r:id="rId75"/>
-    <p:sldId id="360" r:id="rId76"/>
-    <p:sldId id="361" r:id="rId77"/>
+    <p:sldId id="361" r:id="rId76"/>
   </p:sldIdLst>
   <p:sldSz cx="9144000" cy="6858000" type="screen4x3"/>
   <p:notesSz cx="6858000" cy="9144000"/>
@@ -13679,9 +13678,10 @@
           <a:lstStyle/>
           <a:p>
             <a:r>
-              <a:rPr lang="en-GB" altLang="en-US" smtClean="0"/>
-              <a:t>Question</a:t>
-            </a:r>
+              <a:rPr lang="en-GB" altLang="en-US" dirty="0" smtClean="0"/>
+              <a:t>Task</a:t>
+            </a:r>
+            <a:endParaRPr lang="en-GB" altLang="en-US" dirty="0" smtClean="0"/>
           </a:p>
         </p:txBody>
       </p:sp>
@@ -13702,7 +13702,19 @@
           <a:p>
             <a:r>
               <a:rPr lang="en-GB" altLang="en-US" dirty="0" smtClean="0"/>
-              <a:t>Domain Name System (DNS) translates the IP address of a host into its human-readable name (domain name). </a:t>
+              <a:t>Investigate what is the purpose of the Domain </a:t>
+            </a:r>
+            <a:r>
+              <a:rPr lang="en-GB" altLang="en-US" dirty="0" smtClean="0"/>
+              <a:t>Name System (DNS</a:t>
+            </a:r>
+            <a:r>
+              <a:rPr lang="en-GB" altLang="en-US" dirty="0" smtClean="0"/>
+              <a:t>)?</a:t>
+            </a:r>
+            <a:r>
+              <a:rPr lang="en-GB" altLang="en-US" dirty="0" smtClean="0"/>
+              <a:t/>
             </a:r>
             <a:br>
               <a:rPr lang="en-GB" altLang="en-US" dirty="0" smtClean="0"/>
@@ -13727,84 +13739,6 @@
 </file>
 
 <file path=ppt/slides/slide75.xml><?xml version="1.0" encoding="utf-8"?>
-<p:sld xmlns:a="http://schemas.openxmlformats.org/drawingml/2006/main" xmlns:r="http://schemas.openxmlformats.org/officeDocument/2006/relationships" xmlns:p="http://schemas.openxmlformats.org/presentationml/2006/main">
-  <p:cSld>
-    <p:spTree>
-      <p:nvGrpSpPr>
-        <p:cNvPr id="1" name=""/>
-        <p:cNvGrpSpPr/>
-        <p:nvPr/>
-      </p:nvGrpSpPr>
-      <p:grpSpPr>
-        <a:xfrm>
-          <a:off x="0" y="0"/>
-          <a:ext cx="0" cy="0"/>
-          <a:chOff x="0" y="0"/>
-          <a:chExt cx="0" cy="0"/>
-        </a:xfrm>
-      </p:grpSpPr>
-      <p:sp>
-        <p:nvSpPr>
-          <p:cNvPr id="86018" name="Title 1"/>
-          <p:cNvSpPr>
-            <a:spLocks noGrp="1"/>
-          </p:cNvSpPr>
-          <p:nvPr>
-            <p:ph type="title"/>
-          </p:nvPr>
-        </p:nvSpPr>
-        <p:spPr/>
-        <p:txBody>
-          <a:bodyPr/>
-          <a:lstStyle/>
-          <a:p>
-            <a:r>
-              <a:rPr lang="en-GB" altLang="en-US" smtClean="0"/>
-              <a:t>Answer</a:t>
-            </a:r>
-          </a:p>
-        </p:txBody>
-      </p:sp>
-      <p:sp>
-        <p:nvSpPr>
-          <p:cNvPr id="86019" name="Content Placeholder 2"/>
-          <p:cNvSpPr>
-            <a:spLocks noGrp="1"/>
-          </p:cNvSpPr>
-          <p:nvPr>
-            <p:ph idx="1"/>
-          </p:nvPr>
-        </p:nvSpPr>
-        <p:spPr/>
-        <p:txBody>
-          <a:bodyPr/>
-          <a:lstStyle/>
-          <a:p>
-            <a:r>
-              <a:rPr lang="en-GB" altLang="en-US" dirty="0" smtClean="0"/>
-              <a:t>Answer</a:t>
-            </a:r>
-            <a:r>
-              <a:rPr lang="en-GB" altLang="en-US" smtClean="0"/>
-              <a:t>: </a:t>
-            </a:r>
-            <a:r>
-              <a:rPr lang="en-GB" altLang="en-US" smtClean="0"/>
-              <a:t>True</a:t>
-            </a:r>
-            <a:endParaRPr lang="en-GB" altLang="en-US" dirty="0" smtClean="0"/>
-          </a:p>
-        </p:txBody>
-      </p:sp>
-    </p:spTree>
-  </p:cSld>
-  <p:clrMapOvr>
-    <a:masterClrMapping/>
-  </p:clrMapOvr>
-</p:sld>
-</file>
-
-<file path=ppt/slides/slide76.xml><?xml version="1.0" encoding="utf-8"?>
 <p:sld xmlns:a="http://schemas.openxmlformats.org/drawingml/2006/main" xmlns:r="http://schemas.openxmlformats.org/officeDocument/2006/relationships" xmlns:p="http://schemas.openxmlformats.org/presentationml/2006/main">
   <p:cSld>
     <p:spTree>
